--- a/Reports and Presentations/Presentations/2019-2020/Intro Meeting/ME 441 Presentation.pptx
+++ b/Reports and Presentations/Presentations/2019-2020/Intro Meeting/ME 441 Presentation.pptx
@@ -202,7 +202,7 @@
           <a:p>
             <a:fld id="{79C6A49C-1803-4A28-8D90-751DD6DAEE6E}" type="datetimeFigureOut">
               <a:rPr lang="en-US" smtClean="0"/>
-              <a:t>10/25/2019</a:t>
+              <a:t>10/25/19</a:t>
             </a:fld>
             <a:endParaRPr lang="en-US"/>
           </a:p>
@@ -744,7 +744,7 @@
           <a:p>
             <a:fld id="{DC4FF77B-AB05-463F-8388-E3EF4DCD9159}" type="datetimeFigureOut">
               <a:rPr lang="en-US" smtClean="0"/>
-              <a:t>10/25/2019</a:t>
+              <a:t>10/25/19</a:t>
             </a:fld>
             <a:endParaRPr lang="en-US"/>
           </a:p>
@@ -1042,7 +1042,7 @@
           <a:p>
             <a:fld id="{DC4FF77B-AB05-463F-8388-E3EF4DCD9159}" type="datetimeFigureOut">
               <a:rPr lang="en-US" smtClean="0"/>
-              <a:t>10/25/2019</a:t>
+              <a:t>10/25/19</a:t>
             </a:fld>
             <a:endParaRPr lang="en-US"/>
           </a:p>
@@ -1234,7 +1234,7 @@
           <a:p>
             <a:fld id="{DC4FF77B-AB05-463F-8388-E3EF4DCD9159}" type="datetimeFigureOut">
               <a:rPr lang="en-US" smtClean="0"/>
-              <a:t>10/25/2019</a:t>
+              <a:t>10/25/19</a:t>
             </a:fld>
             <a:endParaRPr lang="en-US"/>
           </a:p>
@@ -1495,7 +1495,7 @@
           <a:p>
             <a:fld id="{DC4FF77B-AB05-463F-8388-E3EF4DCD9159}" type="datetimeFigureOut">
               <a:rPr lang="en-US" smtClean="0"/>
-              <a:t>10/25/2019</a:t>
+              <a:t>10/25/19</a:t>
             </a:fld>
             <a:endParaRPr lang="en-US"/>
           </a:p>
@@ -1919,7 +1919,7 @@
           <a:p>
             <a:fld id="{DC4FF77B-AB05-463F-8388-E3EF4DCD9159}" type="datetimeFigureOut">
               <a:rPr lang="en-US" smtClean="0"/>
-              <a:t>10/25/2019</a:t>
+              <a:t>10/25/19</a:t>
             </a:fld>
             <a:endParaRPr lang="en-US"/>
           </a:p>
@@ -2456,7 +2456,7 @@
           <a:p>
             <a:fld id="{DC4FF77B-AB05-463F-8388-E3EF4DCD9159}" type="datetimeFigureOut">
               <a:rPr lang="en-US" smtClean="0"/>
-              <a:t>10/25/2019</a:t>
+              <a:t>10/25/19</a:t>
             </a:fld>
             <a:endParaRPr lang="en-US"/>
           </a:p>
@@ -3320,7 +3320,7 @@
           <a:p>
             <a:fld id="{DC4FF77B-AB05-463F-8388-E3EF4DCD9159}" type="datetimeFigureOut">
               <a:rPr lang="en-US" smtClean="0"/>
-              <a:t>10/25/2019</a:t>
+              <a:t>10/25/19</a:t>
             </a:fld>
             <a:endParaRPr lang="en-US"/>
           </a:p>
@@ -3490,7 +3490,7 @@
           <a:p>
             <a:fld id="{DC4FF77B-AB05-463F-8388-E3EF4DCD9159}" type="datetimeFigureOut">
               <a:rPr lang="en-US" smtClean="0"/>
-              <a:t>10/25/2019</a:t>
+              <a:t>10/25/19</a:t>
             </a:fld>
             <a:endParaRPr lang="en-US"/>
           </a:p>
@@ -3674,7 +3674,7 @@
           <a:p>
             <a:fld id="{DC4FF77B-AB05-463F-8388-E3EF4DCD9159}" type="datetimeFigureOut">
               <a:rPr lang="en-US" smtClean="0"/>
-              <a:t>10/25/2019</a:t>
+              <a:t>10/25/19</a:t>
             </a:fld>
             <a:endParaRPr lang="en-US"/>
           </a:p>
@@ -3844,7 +3844,7 @@
           <a:p>
             <a:fld id="{DC4FF77B-AB05-463F-8388-E3EF4DCD9159}" type="datetimeFigureOut">
               <a:rPr lang="en-US" smtClean="0"/>
-              <a:t>10/25/2019</a:t>
+              <a:t>10/25/19</a:t>
             </a:fld>
             <a:endParaRPr lang="en-US"/>
           </a:p>
@@ -4088,7 +4088,7 @@
           <a:p>
             <a:fld id="{DC4FF77B-AB05-463F-8388-E3EF4DCD9159}" type="datetimeFigureOut">
               <a:rPr lang="en-US" smtClean="0"/>
-              <a:t>10/25/2019</a:t>
+              <a:t>10/25/19</a:t>
             </a:fld>
             <a:endParaRPr lang="en-US"/>
           </a:p>
@@ -4324,7 +4324,7 @@
           <a:p>
             <a:fld id="{DC4FF77B-AB05-463F-8388-E3EF4DCD9159}" type="datetimeFigureOut">
               <a:rPr lang="en-US" smtClean="0"/>
-              <a:t>10/25/2019</a:t>
+              <a:t>10/25/19</a:t>
             </a:fld>
             <a:endParaRPr lang="en-US"/>
           </a:p>
@@ -4790,7 +4790,7 @@
           <a:p>
             <a:fld id="{DC4FF77B-AB05-463F-8388-E3EF4DCD9159}" type="datetimeFigureOut">
               <a:rPr lang="en-US" smtClean="0"/>
-              <a:t>10/25/2019</a:t>
+              <a:t>10/25/19</a:t>
             </a:fld>
             <a:endParaRPr lang="en-US"/>
           </a:p>
@@ -4908,7 +4908,7 @@
           <a:p>
             <a:fld id="{DC4FF77B-AB05-463F-8388-E3EF4DCD9159}" type="datetimeFigureOut">
               <a:rPr lang="en-US" smtClean="0"/>
-              <a:t>10/25/2019</a:t>
+              <a:t>10/25/19</a:t>
             </a:fld>
             <a:endParaRPr lang="en-US"/>
           </a:p>
@@ -5003,7 +5003,7 @@
           <a:p>
             <a:fld id="{DC4FF77B-AB05-463F-8388-E3EF4DCD9159}" type="datetimeFigureOut">
               <a:rPr lang="en-US" smtClean="0"/>
-              <a:t>10/25/2019</a:t>
+              <a:t>10/25/19</a:t>
             </a:fld>
             <a:endParaRPr lang="en-US"/>
           </a:p>
@@ -5258,7 +5258,7 @@
           <a:p>
             <a:fld id="{DC4FF77B-AB05-463F-8388-E3EF4DCD9159}" type="datetimeFigureOut">
               <a:rPr lang="en-US" smtClean="0"/>
-              <a:t>10/25/2019</a:t>
+              <a:t>10/25/19</a:t>
             </a:fld>
             <a:endParaRPr lang="en-US"/>
           </a:p>
@@ -5558,7 +5558,7 @@
           <a:p>
             <a:fld id="{DC4FF77B-AB05-463F-8388-E3EF4DCD9159}" type="datetimeFigureOut">
               <a:rPr lang="en-US" smtClean="0"/>
-              <a:t>10/25/2019</a:t>
+              <a:t>10/25/19</a:t>
             </a:fld>
             <a:endParaRPr lang="en-US"/>
           </a:p>
@@ -5792,7 +5792,7 @@
           <a:p>
             <a:fld id="{DC4FF77B-AB05-463F-8388-E3EF4DCD9159}" type="datetimeFigureOut">
               <a:rPr lang="en-US" smtClean="0"/>
-              <a:t>10/25/2019</a:t>
+              <a:t>10/25/19</a:t>
             </a:fld>
             <a:endParaRPr lang="en-US"/>
           </a:p>
